--- a/Week8-CodeLab1-DataStructures/Data Structures Slides.pptx
+++ b/Week8-CodeLab1-DataStructures/Data Structures Slides.pptx
@@ -25,11 +25,11 @@
   <p:notesSz cx="6858000" cy="9144000"/>
   <p:embeddedFontLst>
     <p:embeddedFont>
-      <p:font typeface="Alfa Slab One" pitchFamily="2" charset="77"/>
+      <p:font typeface="Alfa Slab One" panose="020B0604020202020204" charset="0"/>
       <p:regular r:id="rId15"/>
     </p:embeddedFont>
     <p:embeddedFont>
-      <p:font typeface="Proxima Nova" panose="02000506030000020004" pitchFamily="2" charset="0"/>
+      <p:font typeface="Proxima Nova" panose="020B0604020202020204" charset="0"/>
       <p:regular r:id="rId16"/>
       <p:bold r:id="rId17"/>
       <p:italic r:id="rId18"/>
